--- a/slides/week15.pptx
+++ b/slides/week15.pptx
@@ -5982,13 +5982,13 @@
         </p:nvSpPr>
         <p:spPr>
           <a:xfrm>
-            <a:off x="677334" y="1593661"/>
-            <a:ext cx="9281054" cy="4950014"/>
+            <a:off x="677334" y="1401636"/>
+            <a:ext cx="9281054" cy="5182043"/>
           </a:xfrm>
         </p:spPr>
         <p:txBody>
           <a:bodyPr>
-            <a:normAutofit/>
+            <a:normAutofit fontScale="92500" lnSpcReduction="10000"/>
           </a:bodyPr>
           <a:lstStyle/>
           <a:p>
@@ -6288,6 +6288,114 @@
                 <a:latin typeface="-apple-system"/>
               </a:rPr>
               <a:t>目前为单线程版本</a:t>
+            </a:r>
+            <a:endParaRPr lang="en-US" altLang="zh-CN" sz="2200" dirty="0">
+              <a:solidFill>
+                <a:srgbClr val="000000"/>
+              </a:solidFill>
+              <a:latin typeface="-apple-system"/>
+            </a:endParaRPr>
+          </a:p>
+          <a:p>
+            <a:pPr lvl="2"/>
+            <a:r>
+              <a:rPr lang="en-US" altLang="zh-CN" sz="2200" dirty="0">
+                <a:solidFill>
+                  <a:srgbClr val="000000"/>
+                </a:solidFill>
+                <a:latin typeface="-apple-system"/>
+              </a:rPr>
+              <a:t>TODO</a:t>
+            </a:r>
+            <a:r>
+              <a:rPr lang="zh-CN" altLang="en-US" sz="2200" dirty="0">
+                <a:solidFill>
+                  <a:srgbClr val="000000"/>
+                </a:solidFill>
+                <a:latin typeface="-apple-system"/>
+              </a:rPr>
+              <a:t>：似乎缺少</a:t>
+            </a:r>
+            <a:r>
+              <a:rPr lang="en-US" altLang="zh-CN" sz="2200" dirty="0">
+                <a:solidFill>
+                  <a:srgbClr val="000000"/>
+                </a:solidFill>
+                <a:latin typeface="-apple-system"/>
+              </a:rPr>
+              <a:t>page</a:t>
+            </a:r>
+            <a:r>
+              <a:rPr lang="zh-CN" altLang="en-US" sz="2200" dirty="0">
+                <a:solidFill>
+                  <a:srgbClr val="000000"/>
+                </a:solidFill>
+                <a:latin typeface="-apple-system"/>
+              </a:rPr>
+              <a:t>回收机制，造成内存浪费</a:t>
+            </a:r>
+            <a:endParaRPr lang="en-US" altLang="zh-CN" sz="2200" dirty="0">
+              <a:solidFill>
+                <a:srgbClr val="000000"/>
+              </a:solidFill>
+              <a:latin typeface="-apple-system"/>
+            </a:endParaRPr>
+          </a:p>
+          <a:p>
+            <a:pPr lvl="2"/>
+            <a:r>
+              <a:rPr lang="en-US" altLang="zh-CN" sz="2200" dirty="0">
+                <a:solidFill>
+                  <a:srgbClr val="000000"/>
+                </a:solidFill>
+                <a:latin typeface="-apple-system"/>
+              </a:rPr>
+              <a:t>TODO</a:t>
+            </a:r>
+            <a:r>
+              <a:rPr lang="zh-CN" altLang="en-US" sz="2200" dirty="0">
+                <a:solidFill>
+                  <a:srgbClr val="000000"/>
+                </a:solidFill>
+                <a:latin typeface="-apple-system"/>
+              </a:rPr>
+              <a:t>：解决</a:t>
+            </a:r>
+            <a:r>
+              <a:rPr lang="en-US" altLang="zh-CN" sz="2200" dirty="0" err="1">
+                <a:solidFill>
+                  <a:srgbClr val="000000"/>
+                </a:solidFill>
+                <a:latin typeface="-apple-system"/>
+              </a:rPr>
+              <a:t>page_alloc</a:t>
+            </a:r>
+            <a:r>
+              <a:rPr lang="zh-CN" altLang="en-US" sz="2200" dirty="0">
+                <a:solidFill>
+                  <a:srgbClr val="000000"/>
+                </a:solidFill>
+                <a:latin typeface="-apple-system"/>
+              </a:rPr>
+              <a:t>无法做到</a:t>
+            </a:r>
+            <a:r>
+              <a:rPr lang="en-US" altLang="zh-CN" sz="2200" dirty="0">
+                <a:solidFill>
+                  <a:srgbClr val="000000"/>
+                </a:solidFill>
+                <a:latin typeface="-apple-system"/>
+              </a:rPr>
+              <a:t>4MB</a:t>
+            </a:r>
+            <a:r>
+              <a:rPr lang="zh-CN" altLang="en-US" sz="2200">
+                <a:solidFill>
+                  <a:srgbClr val="000000"/>
+                </a:solidFill>
+                <a:latin typeface="-apple-system"/>
+              </a:rPr>
+              <a:t>对齐的问题</a:t>
             </a:r>
             <a:endParaRPr lang="en-US" altLang="zh-CN" sz="2200" dirty="0">
               <a:solidFill>

--- a/slides/week15.pptx
+++ b/slides/week15.pptx
@@ -5820,13 +5820,13 @@
               <a:t>操作系统大实验 </a:t>
             </a:r>
             <a:r>
-              <a:rPr lang="en-US" altLang="zh-CN" sz="6000" dirty="0">
+              <a:rPr lang="en-US" altLang="zh-CN" sz="6000">
                 <a:solidFill>
                   <a:schemeClr val="tx1"/>
                 </a:solidFill>
                 <a:cs typeface="Courier New" panose="02070309020205020404" pitchFamily="49" charset="0"/>
               </a:rPr>
-              <a:t>week14</a:t>
+              <a:t>week15</a:t>
             </a:r>
             <a:endParaRPr lang="zh-CN" altLang="en-US" sz="6000" dirty="0">
               <a:solidFill>
@@ -6389,7 +6389,7 @@
               <a:t>4MB</a:t>
             </a:r>
             <a:r>
-              <a:rPr lang="zh-CN" altLang="en-US" sz="2200">
+              <a:rPr lang="zh-CN" altLang="en-US" sz="2200" dirty="0">
                 <a:solidFill>
                   <a:srgbClr val="000000"/>
                 </a:solidFill>
